--- a/Lections/5/Классы, инкапсуляция, наследование полиморфизм.pptx
+++ b/Lections/5/Классы, инкапсуляция, наследование полиморфизм.pptx
@@ -218,7 +218,7 @@
           <a:p>
             <a:fld id="{A8655AC4-5CA5-44BA-A2FA-C6B5599E86AD}" type="datetimeFigureOut">
               <a:rPr lang="ru-RU" smtClean="0"/>
-              <a:t>13.10.2020</a:t>
+              <a:t>21.10.2020</a:t>
             </a:fld>
             <a:endParaRPr lang="ru-RU"/>
           </a:p>
@@ -617,7 +617,7 @@
           <a:p>
             <a:fld id="{87D644A0-8973-438C-9519-2E284ACDF610}" type="datetimeFigureOut">
               <a:rPr lang="ru-RU" smtClean="0"/>
-              <a:t>13.10.2020</a:t>
+              <a:t>21.10.2020</a:t>
             </a:fld>
             <a:endParaRPr lang="ru-RU"/>
           </a:p>
@@ -787,7 +787,7 @@
           <a:p>
             <a:fld id="{87D644A0-8973-438C-9519-2E284ACDF610}" type="datetimeFigureOut">
               <a:rPr lang="ru-RU" smtClean="0"/>
-              <a:t>13.10.2020</a:t>
+              <a:t>21.10.2020</a:t>
             </a:fld>
             <a:endParaRPr lang="ru-RU"/>
           </a:p>
@@ -967,7 +967,7 @@
           <a:p>
             <a:fld id="{87D644A0-8973-438C-9519-2E284ACDF610}" type="datetimeFigureOut">
               <a:rPr lang="ru-RU" smtClean="0"/>
-              <a:t>13.10.2020</a:t>
+              <a:t>21.10.2020</a:t>
             </a:fld>
             <a:endParaRPr lang="ru-RU"/>
           </a:p>
@@ -1137,7 +1137,7 @@
           <a:p>
             <a:fld id="{87D644A0-8973-438C-9519-2E284ACDF610}" type="datetimeFigureOut">
               <a:rPr lang="ru-RU" smtClean="0"/>
-              <a:t>13.10.2020</a:t>
+              <a:t>21.10.2020</a:t>
             </a:fld>
             <a:endParaRPr lang="ru-RU"/>
           </a:p>
@@ -1383,7 +1383,7 @@
           <a:p>
             <a:fld id="{87D644A0-8973-438C-9519-2E284ACDF610}" type="datetimeFigureOut">
               <a:rPr lang="ru-RU" smtClean="0"/>
-              <a:t>13.10.2020</a:t>
+              <a:t>21.10.2020</a:t>
             </a:fld>
             <a:endParaRPr lang="ru-RU"/>
           </a:p>
@@ -1615,7 +1615,7 @@
           <a:p>
             <a:fld id="{87D644A0-8973-438C-9519-2E284ACDF610}" type="datetimeFigureOut">
               <a:rPr lang="ru-RU" smtClean="0"/>
-              <a:t>13.10.2020</a:t>
+              <a:t>21.10.2020</a:t>
             </a:fld>
             <a:endParaRPr lang="ru-RU"/>
           </a:p>
@@ -1982,7 +1982,7 @@
           <a:p>
             <a:fld id="{87D644A0-8973-438C-9519-2E284ACDF610}" type="datetimeFigureOut">
               <a:rPr lang="ru-RU" smtClean="0"/>
-              <a:t>13.10.2020</a:t>
+              <a:t>21.10.2020</a:t>
             </a:fld>
             <a:endParaRPr lang="ru-RU"/>
           </a:p>
@@ -2100,7 +2100,7 @@
           <a:p>
             <a:fld id="{87D644A0-8973-438C-9519-2E284ACDF610}" type="datetimeFigureOut">
               <a:rPr lang="ru-RU" smtClean="0"/>
-              <a:t>13.10.2020</a:t>
+              <a:t>21.10.2020</a:t>
             </a:fld>
             <a:endParaRPr lang="ru-RU"/>
           </a:p>
@@ -2195,7 +2195,7 @@
           <a:p>
             <a:fld id="{87D644A0-8973-438C-9519-2E284ACDF610}" type="datetimeFigureOut">
               <a:rPr lang="ru-RU" smtClean="0"/>
-              <a:t>13.10.2020</a:t>
+              <a:t>21.10.2020</a:t>
             </a:fld>
             <a:endParaRPr lang="ru-RU"/>
           </a:p>
@@ -2472,7 +2472,7 @@
           <a:p>
             <a:fld id="{87D644A0-8973-438C-9519-2E284ACDF610}" type="datetimeFigureOut">
               <a:rPr lang="ru-RU" smtClean="0"/>
-              <a:t>13.10.2020</a:t>
+              <a:t>21.10.2020</a:t>
             </a:fld>
             <a:endParaRPr lang="ru-RU"/>
           </a:p>
@@ -2725,7 +2725,7 @@
           <a:p>
             <a:fld id="{87D644A0-8973-438C-9519-2E284ACDF610}" type="datetimeFigureOut">
               <a:rPr lang="ru-RU" smtClean="0"/>
-              <a:t>13.10.2020</a:t>
+              <a:t>21.10.2020</a:t>
             </a:fld>
             <a:endParaRPr lang="ru-RU"/>
           </a:p>
@@ -2938,7 +2938,7 @@
           <a:p>
             <a:fld id="{87D644A0-8973-438C-9519-2E284ACDF610}" type="datetimeFigureOut">
               <a:rPr lang="ru-RU" smtClean="0"/>
-              <a:t>13.10.2020</a:t>
+              <a:t>21.10.2020</a:t>
             </a:fld>
             <a:endParaRPr lang="ru-RU"/>
           </a:p>
@@ -3456,7 +3456,25 @@
                 </a:solidFill>
                 <a:latin typeface="Calibri" panose="020F0502020204030204" pitchFamily="34" charset="0"/>
               </a:rPr>
-              <a:t>Лекция 4: Классы, наследование, инкапсуляция, полиморфизм.</a:t>
+              <a:t>Лекция </a:t>
+            </a:r>
+            <a:r>
+              <a:rPr lang="ru-RU" sz="3600" b="1" dirty="0" smtClean="0">
+                <a:solidFill>
+                  <a:srgbClr val="000000"/>
+                </a:solidFill>
+                <a:latin typeface="Calibri" panose="020F0502020204030204" pitchFamily="34" charset="0"/>
+              </a:rPr>
+              <a:t>5: </a:t>
+            </a:r>
+            <a:r>
+              <a:rPr lang="ru-RU" sz="3600" b="1" dirty="0" smtClean="0">
+                <a:solidFill>
+                  <a:srgbClr val="000000"/>
+                </a:solidFill>
+                <a:latin typeface="Calibri" panose="020F0502020204030204" pitchFamily="34" charset="0"/>
+              </a:rPr>
+              <a:t>Классы, наследование, инкапсуляция, полиморфизм.</a:t>
             </a:r>
             <a:endParaRPr lang="ru-RU" sz="3600" b="1" dirty="0">
               <a:solidFill>
@@ -4932,13 +4950,13 @@
           <p:nvPr>
             <p:extLst>
               <p:ext uri="{D42A27DB-BD31-4B8C-83A1-F6EECF244321}">
-                <p14:modId xmlns:p14="http://schemas.microsoft.com/office/powerpoint/2010/main" val="3106794835"/>
+                <p14:modId xmlns:p14="http://schemas.microsoft.com/office/powerpoint/2010/main" val="136830189"/>
               </p:ext>
             </p:extLst>
           </p:nvPr>
         </p:nvGraphicFramePr>
         <p:xfrm>
-          <a:off x="5710067" y="2817374"/>
+          <a:off x="5710067" y="747668"/>
           <a:ext cx="6410326" cy="1920240"/>
         </p:xfrm>
         <a:graphic>
@@ -4969,7 +4987,7 @@
                     <a:p>
                       <a:pPr algn="l"/>
                       <a:r>
-                        <a:rPr lang="ru-RU" sz="1600" b="0">
+                        <a:rPr lang="ru-RU" sz="1600" b="0" dirty="0">
                           <a:effectLst/>
                         </a:rPr>
                         <a:t>Спецификатор доступа в родительском классе</a:t>
@@ -5372,13 +5390,13 @@
           <p:nvPr>
             <p:extLst>
               <p:ext uri="{D42A27DB-BD31-4B8C-83A1-F6EECF244321}">
-                <p14:modId xmlns:p14="http://schemas.microsoft.com/office/powerpoint/2010/main" val="3653195193"/>
+                <p14:modId xmlns:p14="http://schemas.microsoft.com/office/powerpoint/2010/main" val="1942593507"/>
               </p:ext>
             </p:extLst>
           </p:nvPr>
         </p:nvGraphicFramePr>
         <p:xfrm>
-          <a:off x="5710067" y="4887081"/>
+          <a:off x="5710067" y="2817374"/>
           <a:ext cx="6410326" cy="1920240"/>
         </p:xfrm>
         <a:graphic>
@@ -5453,10 +5471,22 @@
                     <a:p>
                       <a:pPr algn="l"/>
                       <a:r>
-                        <a:rPr lang="ru-RU" sz="1600" b="0">
+                        <a:rPr lang="ru-RU" sz="1600" b="0" dirty="0">
                           <a:effectLst/>
                         </a:rPr>
-                        <a:t>Спецификатор доступа при наследовании типа private в дочернем классе</a:t>
+                        <a:t>Спецификатор доступа при наследовании типа </a:t>
+                      </a:r>
+                      <a:r>
+                        <a:rPr lang="ru-RU" sz="1600" b="0" dirty="0" err="1">
+                          <a:effectLst/>
+                        </a:rPr>
+                        <a:t>private</a:t>
+                      </a:r>
+                      <a:r>
+                        <a:rPr lang="ru-RU" sz="1600" b="0" dirty="0">
+                          <a:effectLst/>
+                        </a:rPr>
+                        <a:t> в дочернем классе</a:t>
                       </a:r>
                     </a:p>
                   </a:txBody>
@@ -5713,7 +5743,7 @@
                     <a:lstStyle/>
                     <a:p>
                       <a:r>
-                        <a:rPr lang="en-US" sz="1600" b="0">
+                        <a:rPr lang="en-US" sz="1600" b="0" dirty="0">
                           <a:effectLst/>
                         </a:rPr>
                         <a:t>protected</a:t>
@@ -5800,13 +5830,13 @@
           <p:nvPr>
             <p:extLst>
               <p:ext uri="{D42A27DB-BD31-4B8C-83A1-F6EECF244321}">
-                <p14:modId xmlns:p14="http://schemas.microsoft.com/office/powerpoint/2010/main" val="2808518338"/>
+                <p14:modId xmlns:p14="http://schemas.microsoft.com/office/powerpoint/2010/main" val="1376170670"/>
               </p:ext>
             </p:extLst>
           </p:nvPr>
         </p:nvGraphicFramePr>
         <p:xfrm>
-          <a:off x="5710067" y="747668"/>
+          <a:off x="5710067" y="4887080"/>
           <a:ext cx="6410326" cy="1920240"/>
         </p:xfrm>
         <a:graphic>
@@ -6582,11 +6612,6 @@
               </a:rPr>
               <a:t> остаются недоступными.</a:t>
             </a:r>
-            <a:endParaRPr lang="ru-RU" altLang="ru-RU" dirty="0">
-              <a:solidFill>
-                <a:srgbClr val="24292E"/>
-              </a:solidFill>
-            </a:endParaRPr>
           </a:p>
         </p:txBody>
       </p:sp>
@@ -7899,16 +7924,7 @@
                 </a:solidFill>
                 <a:latin typeface="Consolas" panose="020B0609020204030204" pitchFamily="49" charset="0"/>
               </a:rPr>
-              <a:t> </a:t>
-            </a:r>
-            <a:r>
-              <a:rPr lang="en-US" sz="1600" dirty="0">
-                <a:solidFill>
-                  <a:srgbClr val="000000"/>
-                </a:solidFill>
-                <a:latin typeface="Consolas" panose="020B0609020204030204" pitchFamily="49" charset="0"/>
-              </a:rPr>
-              <a:t> </a:t>
+              <a:t>  </a:t>
             </a:r>
             <a:r>
               <a:rPr lang="en-US" sz="1600" dirty="0" err="1">
@@ -7928,12 +7944,6 @@
               </a:rPr>
               <a:t>(){</a:t>
             </a:r>
-            <a:endParaRPr lang="en-US" sz="1600" dirty="0">
-              <a:solidFill>
-                <a:srgbClr val="000000"/>
-              </a:solidFill>
-              <a:latin typeface="Consolas" panose="020B0609020204030204" pitchFamily="49" charset="0"/>
-            </a:endParaRPr>
           </a:p>
           <a:p>
             <a:r>
@@ -8741,16 +8751,7 @@
                 </a:solidFill>
                 <a:latin typeface="Consolas" panose="020B0609020204030204" pitchFamily="49" charset="0"/>
               </a:rPr>
-              <a:t>p.</a:t>
-            </a:r>
-            <a:r>
-              <a:rPr lang="en-US" dirty="0" err="1" smtClean="0">
-                <a:solidFill>
-                  <a:srgbClr val="000000"/>
-                </a:solidFill>
-                <a:latin typeface="Consolas" panose="020B0609020204030204" pitchFamily="49" charset="0"/>
-              </a:rPr>
-              <a:t>printPistolCharacteristics</a:t>
+              <a:t>p.printPistolCharacteristics</a:t>
             </a:r>
             <a:r>
               <a:rPr lang="en-US" dirty="0" smtClean="0">
@@ -12227,7 +12228,16 @@
                 </a:solidFill>
                 <a:latin typeface="Consolas" panose="020B0609020204030204" pitchFamily="49" charset="0"/>
               </a:rPr>
-              <a:t> // 10</a:t>
+              <a:t> // </a:t>
+            </a:r>
+            <a:r>
+              <a:rPr lang="ru-RU" dirty="0" smtClean="0">
+                <a:solidFill>
+                  <a:srgbClr val="008000"/>
+                </a:solidFill>
+                <a:latin typeface="Consolas" panose="020B0609020204030204" pitchFamily="49" charset="0"/>
+              </a:rPr>
+              <a:t>12</a:t>
             </a:r>
             <a:endParaRPr lang="en-US" dirty="0">
               <a:solidFill>
@@ -13110,7 +13120,25 @@
                 </a:solidFill>
                 <a:latin typeface="Consolas" panose="020B0609020204030204" pitchFamily="49" charset="0"/>
               </a:rPr>
-              <a:t> // 10</a:t>
+              <a:t> // </a:t>
+            </a:r>
+            <a:r>
+              <a:rPr lang="ru-RU" dirty="0" smtClean="0">
+                <a:solidFill>
+                  <a:srgbClr val="008000"/>
+                </a:solidFill>
+                <a:latin typeface="Consolas" panose="020B0609020204030204" pitchFamily="49" charset="0"/>
+              </a:rPr>
+              <a:t>2</a:t>
+            </a:r>
+            <a:r>
+              <a:rPr lang="en-US" dirty="0" smtClean="0">
+                <a:solidFill>
+                  <a:srgbClr val="008000"/>
+                </a:solidFill>
+                <a:latin typeface="Consolas" panose="020B0609020204030204" pitchFamily="49" charset="0"/>
+              </a:rPr>
+              <a:t>0</a:t>
             </a:r>
             <a:endParaRPr lang="en-US" dirty="0">
               <a:solidFill>
@@ -13843,41 +13871,20 @@
               <a:t> &lt;&lt; </a:t>
             </a:r>
             <a:r>
-              <a:rPr lang="en-US" dirty="0" err="1">
-                <a:solidFill>
-                  <a:srgbClr val="000000"/>
-                </a:solidFill>
-                <a:latin typeface="Consolas" panose="020B0609020204030204" pitchFamily="49" charset="0"/>
-              </a:rPr>
-              <a:t>mpi.data</a:t>
-            </a:r>
-            <a:r>
-              <a:rPr lang="en-US" dirty="0">
-                <a:solidFill>
-                  <a:srgbClr val="000000"/>
-                </a:solidFill>
-                <a:latin typeface="Consolas" panose="020B0609020204030204" pitchFamily="49" charset="0"/>
-              </a:rPr>
-              <a:t> &lt;&lt; </a:t>
-            </a:r>
-            <a:r>
-              <a:rPr lang="en-US" dirty="0" err="1">
-                <a:solidFill>
-                  <a:srgbClr val="000000"/>
-                </a:solidFill>
-                <a:latin typeface="Consolas" panose="020B0609020204030204" pitchFamily="49" charset="0"/>
-              </a:rPr>
-              <a:t>os.end</a:t>
-            </a:r>
-            <a:r>
-              <a:rPr lang="en-US" dirty="0">
-                <a:solidFill>
-                  <a:srgbClr val="000000"/>
-                </a:solidFill>
-                <a:latin typeface="Consolas" panose="020B0609020204030204" pitchFamily="49" charset="0"/>
-              </a:rPr>
-              <a:t>;</a:t>
-            </a:r>
+              <a:rPr lang="en-US" smtClean="0">
+                <a:solidFill>
+                  <a:srgbClr val="000000"/>
+                </a:solidFill>
+                <a:latin typeface="Consolas" panose="020B0609020204030204" pitchFamily="49" charset="0"/>
+              </a:rPr>
+              <a:t>mpi.data;</a:t>
+            </a:r>
+            <a:endParaRPr lang="en-US" dirty="0">
+              <a:solidFill>
+                <a:srgbClr val="000000"/>
+              </a:solidFill>
+              <a:latin typeface="Consolas" panose="020B0609020204030204" pitchFamily="49" charset="0"/>
+            </a:endParaRPr>
           </a:p>
           <a:p>
             <a:r>
@@ -14140,7 +14147,25 @@
                 </a:solidFill>
                 <a:latin typeface="Consolas" panose="020B0609020204030204" pitchFamily="49" charset="0"/>
               </a:rPr>
-              <a:t> // 5 MPI: 102 15</a:t>
+              <a:t> // 5 MPI: </a:t>
+            </a:r>
+            <a:r>
+              <a:rPr lang="en-US" dirty="0" smtClean="0">
+                <a:solidFill>
+                  <a:srgbClr val="008000"/>
+                </a:solidFill>
+                <a:latin typeface="Consolas" panose="020B0609020204030204" pitchFamily="49" charset="0"/>
+              </a:rPr>
+              <a:t>10</a:t>
+            </a:r>
+            <a:r>
+              <a:rPr lang="en-US" dirty="0">
+                <a:solidFill>
+                  <a:srgbClr val="008000"/>
+                </a:solidFill>
+                <a:latin typeface="Consolas" panose="020B0609020204030204" pitchFamily="49" charset="0"/>
+              </a:rPr>
+              <a:t> 15</a:t>
             </a:r>
             <a:endParaRPr lang="en-US" dirty="0">
               <a:solidFill>
@@ -17033,11 +17058,7 @@
             </a:r>
             <a:r>
               <a:rPr lang="ru-RU" sz="2000" dirty="0" smtClean="0"/>
-              <a:t>–</a:t>
-            </a:r>
-            <a:r>
-              <a:rPr lang="ru-RU" sz="2000" dirty="0" smtClean="0"/>
-              <a:t> </a:t>
+              <a:t>– </a:t>
             </a:r>
             <a:r>
               <a:rPr lang="ru-RU" sz="2000" dirty="0"/>
@@ -17949,7 +17970,11 @@
               <a:pPr algn="ctr"/>
               <a:r>
                 <a:rPr lang="ru-RU" dirty="0" smtClean="0"/>
-                <a:t>3.1 Дополнительно</a:t>
+                <a:t>3.3 </a:t>
+              </a:r>
+              <a:r>
+                <a:rPr lang="ru-RU" dirty="0" smtClean="0"/>
+                <a:t>Дополнительно</a:t>
               </a:r>
               <a:endParaRPr lang="ru-RU" dirty="0"/>
             </a:p>
@@ -18096,7 +18121,11 @@
               <a:pPr algn="ctr"/>
               <a:r>
                 <a:rPr lang="ru-RU" dirty="0" smtClean="0"/>
-                <a:t>3.1 Дополнительно</a:t>
+                <a:t>3.2 </a:t>
+              </a:r>
+              <a:r>
+                <a:rPr lang="ru-RU" dirty="0" smtClean="0"/>
+                <a:t>Дополнительно</a:t>
               </a:r>
               <a:endParaRPr lang="ru-RU" dirty="0"/>
             </a:p>
@@ -19619,25 +19648,7 @@
                 </a:solidFill>
                 <a:latin typeface="Consolas" panose="020B0609020204030204" pitchFamily="49" charset="0"/>
               </a:rPr>
-              <a:t>print</a:t>
-            </a:r>
-            <a:r>
-              <a:rPr lang="en-US" sz="1600" dirty="0" err="1" smtClean="0">
-                <a:solidFill>
-                  <a:srgbClr val="000000"/>
-                </a:solidFill>
-                <a:latin typeface="Consolas" panose="020B0609020204030204" pitchFamily="49" charset="0"/>
-              </a:rPr>
-              <a:t>Pistol</a:t>
-            </a:r>
-            <a:r>
-              <a:rPr lang="en-US" sz="1600" dirty="0" err="1" smtClean="0">
-                <a:solidFill>
-                  <a:srgbClr val="000000"/>
-                </a:solidFill>
-                <a:latin typeface="Consolas" panose="020B0609020204030204" pitchFamily="49" charset="0"/>
-              </a:rPr>
-              <a:t>Characteristics</a:t>
+              <a:t>printPistolCharacteristics</a:t>
             </a:r>
             <a:r>
               <a:rPr lang="en-US" sz="1600" dirty="0" smtClean="0">
@@ -20428,23 +20439,8 @@
                 </a:solidFill>
                 <a:latin typeface="Consolas" panose="020B0609020204030204" pitchFamily="49" charset="0"/>
               </a:rPr>
-              <a:t>            Weapon(name, damage, </a:t>
-            </a:r>
-            <a:r>
-              <a:rPr lang="en-US" dirty="0">
-                <a:solidFill>
-                  <a:srgbClr val="000000"/>
-                </a:solidFill>
-                <a:latin typeface="Consolas" panose="020B0609020204030204" pitchFamily="49" charset="0"/>
-              </a:rPr>
-              <a:t>length)</a:t>
-            </a:r>
-            <a:endParaRPr lang="en-US" dirty="0">
-              <a:solidFill>
-                <a:srgbClr val="000000"/>
-              </a:solidFill>
-              <a:latin typeface="Consolas" panose="020B0609020204030204" pitchFamily="49" charset="0"/>
-            </a:endParaRPr>
+              <a:t>            Weapon(name, damage, length)</a:t>
+            </a:r>
           </a:p>
           <a:p>
             <a:r>
@@ -20795,759 +20791,14 @@
       </p:grpSpPr>
       <p:sp>
         <p:nvSpPr>
-          <p:cNvPr id="2" name="Прямоугольник 1"/>
-          <p:cNvSpPr/>
-          <p:nvPr/>
-        </p:nvSpPr>
-        <p:spPr>
-          <a:xfrm>
-            <a:off x="295748" y="1720840"/>
-            <a:ext cx="6612046" cy="3970318"/>
-          </a:xfrm>
-          <a:prstGeom prst="rect">
-            <a:avLst/>
-          </a:prstGeom>
-        </p:spPr>
-        <p:txBody>
-          <a:bodyPr wrap="square">
-            <a:spAutoFit/>
-          </a:bodyPr>
-          <a:lstStyle/>
-          <a:p>
-            <a:r>
-              <a:rPr lang="en-US" dirty="0" err="1">
-                <a:solidFill>
-                  <a:srgbClr val="0000FF"/>
-                </a:solidFill>
-                <a:latin typeface="Consolas" panose="020B0609020204030204" pitchFamily="49" charset="0"/>
-              </a:rPr>
-              <a:t>int</a:t>
-            </a:r>
-            <a:r>
-              <a:rPr lang="en-US" dirty="0">
-                <a:solidFill>
-                  <a:srgbClr val="000000"/>
-                </a:solidFill>
-                <a:latin typeface="Consolas" panose="020B0609020204030204" pitchFamily="49" charset="0"/>
-              </a:rPr>
-              <a:t> main(){</a:t>
-            </a:r>
-          </a:p>
-          <a:p>
-            <a:r>
-              <a:rPr lang="en-US" dirty="0">
-                <a:solidFill>
-                  <a:srgbClr val="000000"/>
-                </a:solidFill>
-                <a:latin typeface="Consolas" panose="020B0609020204030204" pitchFamily="49" charset="0"/>
-              </a:rPr>
-              <a:t>    Weapon w(</a:t>
-            </a:r>
-            <a:r>
-              <a:rPr lang="en-US" dirty="0">
-                <a:solidFill>
-                  <a:srgbClr val="A31515"/>
-                </a:solidFill>
-                <a:latin typeface="Consolas" panose="020B0609020204030204" pitchFamily="49" charset="0"/>
-              </a:rPr>
-              <a:t>"Test"</a:t>
-            </a:r>
-            <a:r>
-              <a:rPr lang="en-US" dirty="0">
-                <a:solidFill>
-                  <a:srgbClr val="000000"/>
-                </a:solidFill>
-                <a:latin typeface="Consolas" panose="020B0609020204030204" pitchFamily="49" charset="0"/>
-              </a:rPr>
-              <a:t>, </a:t>
-            </a:r>
-            <a:r>
-              <a:rPr lang="en-US" dirty="0">
-                <a:solidFill>
-                  <a:srgbClr val="098658"/>
-                </a:solidFill>
-                <a:latin typeface="Consolas" panose="020B0609020204030204" pitchFamily="49" charset="0"/>
-              </a:rPr>
-              <a:t>0</a:t>
-            </a:r>
-            <a:r>
-              <a:rPr lang="en-US" dirty="0">
-                <a:solidFill>
-                  <a:srgbClr val="000000"/>
-                </a:solidFill>
-                <a:latin typeface="Consolas" panose="020B0609020204030204" pitchFamily="49" charset="0"/>
-              </a:rPr>
-              <a:t>, </a:t>
-            </a:r>
-            <a:r>
-              <a:rPr lang="en-US" dirty="0">
-                <a:solidFill>
-                  <a:srgbClr val="098658"/>
-                </a:solidFill>
-                <a:latin typeface="Consolas" panose="020B0609020204030204" pitchFamily="49" charset="0"/>
-              </a:rPr>
-              <a:t>0</a:t>
-            </a:r>
-            <a:r>
-              <a:rPr lang="en-US" dirty="0">
-                <a:solidFill>
-                  <a:srgbClr val="000000"/>
-                </a:solidFill>
-                <a:latin typeface="Consolas" panose="020B0609020204030204" pitchFamily="49" charset="0"/>
-              </a:rPr>
-              <a:t>);</a:t>
-            </a:r>
-          </a:p>
-          <a:p>
-            <a:r>
-              <a:rPr lang="en-US" dirty="0">
-                <a:solidFill>
-                  <a:srgbClr val="000000"/>
-                </a:solidFill>
-                <a:latin typeface="Consolas" panose="020B0609020204030204" pitchFamily="49" charset="0"/>
-              </a:rPr>
-              <a:t>    Pistol p(</a:t>
-            </a:r>
-            <a:r>
-              <a:rPr lang="en-US" dirty="0">
-                <a:solidFill>
-                  <a:srgbClr val="A31515"/>
-                </a:solidFill>
-                <a:latin typeface="Consolas" panose="020B0609020204030204" pitchFamily="49" charset="0"/>
-              </a:rPr>
-              <a:t>"9mm"</a:t>
-            </a:r>
-            <a:r>
-              <a:rPr lang="en-US" dirty="0">
-                <a:solidFill>
-                  <a:srgbClr val="000000"/>
-                </a:solidFill>
-                <a:latin typeface="Consolas" panose="020B0609020204030204" pitchFamily="49" charset="0"/>
-              </a:rPr>
-              <a:t>, </a:t>
-            </a:r>
-            <a:r>
-              <a:rPr lang="en-US" dirty="0">
-                <a:solidFill>
-                  <a:srgbClr val="098658"/>
-                </a:solidFill>
-                <a:latin typeface="Consolas" panose="020B0609020204030204" pitchFamily="49" charset="0"/>
-              </a:rPr>
-              <a:t>10</a:t>
-            </a:r>
-            <a:r>
-              <a:rPr lang="en-US" dirty="0">
-                <a:solidFill>
-                  <a:srgbClr val="000000"/>
-                </a:solidFill>
-                <a:latin typeface="Consolas" panose="020B0609020204030204" pitchFamily="49" charset="0"/>
-              </a:rPr>
-              <a:t>, </a:t>
-            </a:r>
-            <a:r>
-              <a:rPr lang="en-US" dirty="0">
-                <a:solidFill>
-                  <a:srgbClr val="098658"/>
-                </a:solidFill>
-                <a:latin typeface="Consolas" panose="020B0609020204030204" pitchFamily="49" charset="0"/>
-              </a:rPr>
-              <a:t>15</a:t>
-            </a:r>
-            <a:r>
-              <a:rPr lang="en-US" dirty="0">
-                <a:solidFill>
-                  <a:srgbClr val="000000"/>
-                </a:solidFill>
-                <a:latin typeface="Consolas" panose="020B0609020204030204" pitchFamily="49" charset="0"/>
-              </a:rPr>
-              <a:t>, </a:t>
-            </a:r>
-            <a:r>
-              <a:rPr lang="en-US" dirty="0">
-                <a:solidFill>
-                  <a:srgbClr val="098658"/>
-                </a:solidFill>
-                <a:latin typeface="Consolas" panose="020B0609020204030204" pitchFamily="49" charset="0"/>
-              </a:rPr>
-              <a:t>9</a:t>
-            </a:r>
-            <a:r>
-              <a:rPr lang="en-US" dirty="0">
-                <a:solidFill>
-                  <a:srgbClr val="000000"/>
-                </a:solidFill>
-                <a:latin typeface="Consolas" panose="020B0609020204030204" pitchFamily="49" charset="0"/>
-              </a:rPr>
-              <a:t>, </a:t>
-            </a:r>
-            <a:r>
-              <a:rPr lang="en-US" dirty="0">
-                <a:solidFill>
-                  <a:srgbClr val="098658"/>
-                </a:solidFill>
-                <a:latin typeface="Consolas" panose="020B0609020204030204" pitchFamily="49" charset="0"/>
-              </a:rPr>
-              <a:t>9.</a:t>
-            </a:r>
-            <a:r>
-              <a:rPr lang="en-US" dirty="0">
-                <a:solidFill>
-                  <a:srgbClr val="000000"/>
-                </a:solidFill>
-                <a:latin typeface="Consolas" panose="020B0609020204030204" pitchFamily="49" charset="0"/>
-              </a:rPr>
-              <a:t>);</a:t>
-            </a:r>
-          </a:p>
-          <a:p>
-            <a:r>
-              <a:rPr lang="en-US" dirty="0">
-                <a:solidFill>
-                  <a:srgbClr val="000000"/>
-                </a:solidFill>
-                <a:latin typeface="Consolas" panose="020B0609020204030204" pitchFamily="49" charset="0"/>
-              </a:rPr>
-              <a:t>    Sword s(</a:t>
-            </a:r>
-            <a:r>
-              <a:rPr lang="en-US" dirty="0">
-                <a:solidFill>
-                  <a:srgbClr val="A31515"/>
-                </a:solidFill>
-                <a:latin typeface="Consolas" panose="020B0609020204030204" pitchFamily="49" charset="0"/>
-              </a:rPr>
-              <a:t>"</a:t>
-            </a:r>
-            <a:r>
-              <a:rPr lang="en-US" dirty="0" err="1">
-                <a:solidFill>
-                  <a:srgbClr val="A31515"/>
-                </a:solidFill>
-                <a:latin typeface="Consolas" panose="020B0609020204030204" pitchFamily="49" charset="0"/>
-              </a:rPr>
-              <a:t>ecs</a:t>
-            </a:r>
-            <a:r>
-              <a:rPr lang="en-US" dirty="0">
-                <a:solidFill>
-                  <a:srgbClr val="A31515"/>
-                </a:solidFill>
-                <a:latin typeface="Consolas" panose="020B0609020204030204" pitchFamily="49" charset="0"/>
-              </a:rPr>
-              <a:t>"</a:t>
-            </a:r>
-            <a:r>
-              <a:rPr lang="en-US" dirty="0">
-                <a:solidFill>
-                  <a:srgbClr val="000000"/>
-                </a:solidFill>
-                <a:latin typeface="Consolas" panose="020B0609020204030204" pitchFamily="49" charset="0"/>
-              </a:rPr>
-              <a:t>, </a:t>
-            </a:r>
-            <a:r>
-              <a:rPr lang="en-US" dirty="0">
-                <a:solidFill>
-                  <a:srgbClr val="098658"/>
-                </a:solidFill>
-                <a:latin typeface="Consolas" panose="020B0609020204030204" pitchFamily="49" charset="0"/>
-              </a:rPr>
-              <a:t>10</a:t>
-            </a:r>
-            <a:r>
-              <a:rPr lang="en-US" dirty="0">
-                <a:solidFill>
-                  <a:srgbClr val="000000"/>
-                </a:solidFill>
-                <a:latin typeface="Consolas" panose="020B0609020204030204" pitchFamily="49" charset="0"/>
-              </a:rPr>
-              <a:t>, </a:t>
-            </a:r>
-            <a:r>
-              <a:rPr lang="en-US" dirty="0">
-                <a:solidFill>
-                  <a:srgbClr val="098658"/>
-                </a:solidFill>
-                <a:latin typeface="Consolas" panose="020B0609020204030204" pitchFamily="49" charset="0"/>
-              </a:rPr>
-              <a:t>1</a:t>
-            </a:r>
-            <a:r>
-              <a:rPr lang="en-US" dirty="0">
-                <a:solidFill>
-                  <a:srgbClr val="000000"/>
-                </a:solidFill>
-                <a:latin typeface="Consolas" panose="020B0609020204030204" pitchFamily="49" charset="0"/>
-              </a:rPr>
-              <a:t>, </a:t>
-            </a:r>
-            <a:r>
-              <a:rPr lang="en-US" dirty="0">
-                <a:solidFill>
-                  <a:srgbClr val="A31515"/>
-                </a:solidFill>
-                <a:latin typeface="Consolas" panose="020B0609020204030204" pitchFamily="49" charset="0"/>
-              </a:rPr>
-              <a:t>"1060 CARBON STEEL"</a:t>
-            </a:r>
-            <a:r>
-              <a:rPr lang="en-US" dirty="0">
-                <a:solidFill>
-                  <a:srgbClr val="000000"/>
-                </a:solidFill>
-                <a:latin typeface="Consolas" panose="020B0609020204030204" pitchFamily="49" charset="0"/>
-              </a:rPr>
-              <a:t>, </a:t>
-            </a:r>
-            <a:r>
-              <a:rPr lang="en-US" dirty="0">
-                <a:solidFill>
-                  <a:srgbClr val="098658"/>
-                </a:solidFill>
-                <a:latin typeface="Consolas" panose="020B0609020204030204" pitchFamily="49" charset="0"/>
-              </a:rPr>
-              <a:t>1.5</a:t>
-            </a:r>
-            <a:r>
-              <a:rPr lang="en-US" dirty="0">
-                <a:solidFill>
-                  <a:srgbClr val="000000"/>
-                </a:solidFill>
-                <a:latin typeface="Consolas" panose="020B0609020204030204" pitchFamily="49" charset="0"/>
-              </a:rPr>
-              <a:t>);</a:t>
-            </a:r>
-          </a:p>
-          <a:p>
-            <a:r>
-              <a:rPr lang="en-US" dirty="0">
-                <a:solidFill>
-                  <a:srgbClr val="000000"/>
-                </a:solidFill>
-                <a:latin typeface="Consolas" panose="020B0609020204030204" pitchFamily="49" charset="0"/>
-              </a:rPr>
-              <a:t>    </a:t>
-            </a:r>
-            <a:r>
-              <a:rPr lang="en-US" dirty="0" err="1">
-                <a:solidFill>
-                  <a:srgbClr val="000000"/>
-                </a:solidFill>
-                <a:latin typeface="Consolas" panose="020B0609020204030204" pitchFamily="49" charset="0"/>
-              </a:rPr>
-              <a:t>w.printCharacteristics</a:t>
-            </a:r>
-            <a:r>
-              <a:rPr lang="en-US" dirty="0">
-                <a:solidFill>
-                  <a:srgbClr val="000000"/>
-                </a:solidFill>
-                <a:latin typeface="Consolas" panose="020B0609020204030204" pitchFamily="49" charset="0"/>
-              </a:rPr>
-              <a:t>();</a:t>
-            </a:r>
-          </a:p>
-          <a:p>
-            <a:r>
-              <a:rPr lang="en-US" dirty="0">
-                <a:solidFill>
-                  <a:srgbClr val="000000"/>
-                </a:solidFill>
-                <a:latin typeface="Consolas" panose="020B0609020204030204" pitchFamily="49" charset="0"/>
-              </a:rPr>
-              <a:t>    </a:t>
-            </a:r>
-            <a:r>
-              <a:rPr lang="en-US" dirty="0" err="1">
-                <a:solidFill>
-                  <a:srgbClr val="000000"/>
-                </a:solidFill>
-                <a:latin typeface="Consolas" panose="020B0609020204030204" pitchFamily="49" charset="0"/>
-              </a:rPr>
-              <a:t>p.printCharacteristics</a:t>
-            </a:r>
-            <a:r>
-              <a:rPr lang="en-US" dirty="0" smtClean="0">
-                <a:solidFill>
-                  <a:srgbClr val="000000"/>
-                </a:solidFill>
-                <a:latin typeface="Consolas" panose="020B0609020204030204" pitchFamily="49" charset="0"/>
-              </a:rPr>
-              <a:t>();</a:t>
-            </a:r>
-          </a:p>
-          <a:p>
-            <a:r>
-              <a:rPr lang="en-US" dirty="0" smtClean="0">
-                <a:solidFill>
-                  <a:srgbClr val="000000"/>
-                </a:solidFill>
-                <a:latin typeface="Consolas" panose="020B0609020204030204" pitchFamily="49" charset="0"/>
-              </a:rPr>
-              <a:t>    </a:t>
-            </a:r>
-            <a:r>
-              <a:rPr lang="en-US" dirty="0" err="1" smtClean="0">
-                <a:solidFill>
-                  <a:srgbClr val="000000"/>
-                </a:solidFill>
-                <a:latin typeface="Consolas" panose="020B0609020204030204" pitchFamily="49" charset="0"/>
-              </a:rPr>
-              <a:t>p.printCharacteristics</a:t>
-            </a:r>
-            <a:r>
-              <a:rPr lang="en-US" dirty="0" smtClean="0">
-                <a:solidFill>
-                  <a:srgbClr val="000000"/>
-                </a:solidFill>
-                <a:latin typeface="Consolas" panose="020B0609020204030204" pitchFamily="49" charset="0"/>
-              </a:rPr>
-              <a:t>();</a:t>
-            </a:r>
-            <a:endParaRPr lang="en-US" dirty="0">
-              <a:solidFill>
-                <a:srgbClr val="000000"/>
-              </a:solidFill>
-              <a:latin typeface="Consolas" panose="020B0609020204030204" pitchFamily="49" charset="0"/>
-            </a:endParaRPr>
-          </a:p>
-          <a:p>
-            <a:r>
-              <a:rPr lang="en-US" dirty="0">
-                <a:solidFill>
-                  <a:srgbClr val="000000"/>
-                </a:solidFill>
-                <a:latin typeface="Consolas" panose="020B0609020204030204" pitchFamily="49" charset="0"/>
-              </a:rPr>
-              <a:t>    </a:t>
-            </a:r>
-            <a:r>
-              <a:rPr lang="en-US" dirty="0" err="1">
-                <a:solidFill>
-                  <a:srgbClr val="000000"/>
-                </a:solidFill>
-                <a:latin typeface="Consolas" panose="020B0609020204030204" pitchFamily="49" charset="0"/>
-              </a:rPr>
-              <a:t>cout</a:t>
-            </a:r>
-            <a:r>
-              <a:rPr lang="en-US" dirty="0">
-                <a:solidFill>
-                  <a:srgbClr val="000000"/>
-                </a:solidFill>
-                <a:latin typeface="Consolas" panose="020B0609020204030204" pitchFamily="49" charset="0"/>
-              </a:rPr>
-              <a:t> &lt;&lt; </a:t>
-            </a:r>
-            <a:r>
-              <a:rPr lang="en-US" dirty="0" err="1">
-                <a:solidFill>
-                  <a:srgbClr val="000000"/>
-                </a:solidFill>
-                <a:latin typeface="Consolas" panose="020B0609020204030204" pitchFamily="49" charset="0"/>
-              </a:rPr>
-              <a:t>p.shotByDistance</a:t>
-            </a:r>
-            <a:r>
-              <a:rPr lang="en-US" dirty="0">
-                <a:solidFill>
-                  <a:srgbClr val="000000"/>
-                </a:solidFill>
-                <a:latin typeface="Consolas" panose="020B0609020204030204" pitchFamily="49" charset="0"/>
-              </a:rPr>
-              <a:t>(</a:t>
-            </a:r>
-            <a:r>
-              <a:rPr lang="en-US" dirty="0">
-                <a:solidFill>
-                  <a:srgbClr val="098658"/>
-                </a:solidFill>
-                <a:latin typeface="Consolas" panose="020B0609020204030204" pitchFamily="49" charset="0"/>
-              </a:rPr>
-              <a:t>8</a:t>
-            </a:r>
-            <a:r>
-              <a:rPr lang="en-US" dirty="0">
-                <a:solidFill>
-                  <a:srgbClr val="000000"/>
-                </a:solidFill>
-                <a:latin typeface="Consolas" panose="020B0609020204030204" pitchFamily="49" charset="0"/>
-              </a:rPr>
-              <a:t>) &lt;&lt; </a:t>
-            </a:r>
-            <a:r>
-              <a:rPr lang="en-US" dirty="0" err="1">
-                <a:solidFill>
-                  <a:srgbClr val="000000"/>
-                </a:solidFill>
-                <a:latin typeface="Consolas" panose="020B0609020204030204" pitchFamily="49" charset="0"/>
-              </a:rPr>
-              <a:t>endl</a:t>
-            </a:r>
-            <a:r>
-              <a:rPr lang="en-US" dirty="0">
-                <a:solidFill>
-                  <a:srgbClr val="000000"/>
-                </a:solidFill>
-                <a:latin typeface="Consolas" panose="020B0609020204030204" pitchFamily="49" charset="0"/>
-              </a:rPr>
-              <a:t>;</a:t>
-            </a:r>
-          </a:p>
-          <a:p>
-            <a:r>
-              <a:rPr lang="en-US" dirty="0">
-                <a:solidFill>
-                  <a:srgbClr val="000000"/>
-                </a:solidFill>
-                <a:latin typeface="Consolas" panose="020B0609020204030204" pitchFamily="49" charset="0"/>
-              </a:rPr>
-              <a:t>    </a:t>
-            </a:r>
-            <a:r>
-              <a:rPr lang="en-US" dirty="0" err="1">
-                <a:solidFill>
-                  <a:srgbClr val="000000"/>
-                </a:solidFill>
-                <a:latin typeface="Consolas" panose="020B0609020204030204" pitchFamily="49" charset="0"/>
-              </a:rPr>
-              <a:t>cout</a:t>
-            </a:r>
-            <a:r>
-              <a:rPr lang="en-US" dirty="0">
-                <a:solidFill>
-                  <a:srgbClr val="000000"/>
-                </a:solidFill>
-                <a:latin typeface="Consolas" panose="020B0609020204030204" pitchFamily="49" charset="0"/>
-              </a:rPr>
-              <a:t> &lt;&lt; </a:t>
-            </a:r>
-            <a:r>
-              <a:rPr lang="en-US" dirty="0" err="1">
-                <a:solidFill>
-                  <a:srgbClr val="000000"/>
-                </a:solidFill>
-                <a:latin typeface="Consolas" panose="020B0609020204030204" pitchFamily="49" charset="0"/>
-              </a:rPr>
-              <a:t>p.shotByDistance</a:t>
-            </a:r>
-            <a:r>
-              <a:rPr lang="en-US" dirty="0">
-                <a:solidFill>
-                  <a:srgbClr val="000000"/>
-                </a:solidFill>
-                <a:latin typeface="Consolas" panose="020B0609020204030204" pitchFamily="49" charset="0"/>
-              </a:rPr>
-              <a:t>(</a:t>
-            </a:r>
-            <a:r>
-              <a:rPr lang="en-US" dirty="0">
-                <a:solidFill>
-                  <a:srgbClr val="098658"/>
-                </a:solidFill>
-                <a:latin typeface="Consolas" panose="020B0609020204030204" pitchFamily="49" charset="0"/>
-              </a:rPr>
-              <a:t>20</a:t>
-            </a:r>
-            <a:r>
-              <a:rPr lang="en-US" dirty="0">
-                <a:solidFill>
-                  <a:srgbClr val="000000"/>
-                </a:solidFill>
-                <a:latin typeface="Consolas" panose="020B0609020204030204" pitchFamily="49" charset="0"/>
-              </a:rPr>
-              <a:t>) &lt;&lt; </a:t>
-            </a:r>
-            <a:r>
-              <a:rPr lang="en-US" dirty="0" err="1">
-                <a:solidFill>
-                  <a:srgbClr val="000000"/>
-                </a:solidFill>
-                <a:latin typeface="Consolas" panose="020B0609020204030204" pitchFamily="49" charset="0"/>
-              </a:rPr>
-              <a:t>endl</a:t>
-            </a:r>
-            <a:r>
-              <a:rPr lang="en-US" dirty="0">
-                <a:solidFill>
-                  <a:srgbClr val="000000"/>
-                </a:solidFill>
-                <a:latin typeface="Consolas" panose="020B0609020204030204" pitchFamily="49" charset="0"/>
-              </a:rPr>
-              <a:t>;</a:t>
-            </a:r>
-          </a:p>
-          <a:p>
-            <a:r>
-              <a:rPr lang="en-US" dirty="0">
-                <a:solidFill>
-                  <a:srgbClr val="000000"/>
-                </a:solidFill>
-                <a:latin typeface="Consolas" panose="020B0609020204030204" pitchFamily="49" charset="0"/>
-              </a:rPr>
-              <a:t>    </a:t>
-            </a:r>
-            <a:r>
-              <a:rPr lang="en-US" dirty="0" err="1">
-                <a:solidFill>
-                  <a:srgbClr val="000000"/>
-                </a:solidFill>
-                <a:latin typeface="Consolas" panose="020B0609020204030204" pitchFamily="49" charset="0"/>
-              </a:rPr>
-              <a:t>s.printCharacteristics</a:t>
-            </a:r>
-            <a:r>
-              <a:rPr lang="en-US" dirty="0">
-                <a:solidFill>
-                  <a:srgbClr val="000000"/>
-                </a:solidFill>
-                <a:latin typeface="Consolas" panose="020B0609020204030204" pitchFamily="49" charset="0"/>
-              </a:rPr>
-              <a:t>();</a:t>
-            </a:r>
-          </a:p>
-          <a:p>
-            <a:r>
-              <a:rPr lang="en-US" dirty="0">
-                <a:solidFill>
-                  <a:srgbClr val="000000"/>
-                </a:solidFill>
-                <a:latin typeface="Consolas" panose="020B0609020204030204" pitchFamily="49" charset="0"/>
-              </a:rPr>
-              <a:t>    </a:t>
-            </a:r>
-            <a:r>
-              <a:rPr lang="en-US" dirty="0" err="1">
-                <a:solidFill>
-                  <a:srgbClr val="000000"/>
-                </a:solidFill>
-                <a:latin typeface="Consolas" panose="020B0609020204030204" pitchFamily="49" charset="0"/>
-              </a:rPr>
-              <a:t>cout</a:t>
-            </a:r>
-            <a:r>
-              <a:rPr lang="en-US" dirty="0">
-                <a:solidFill>
-                  <a:srgbClr val="000000"/>
-                </a:solidFill>
-                <a:latin typeface="Consolas" panose="020B0609020204030204" pitchFamily="49" charset="0"/>
-              </a:rPr>
-              <a:t> &lt;&lt; </a:t>
-            </a:r>
-            <a:r>
-              <a:rPr lang="en-US" dirty="0" err="1">
-                <a:solidFill>
-                  <a:srgbClr val="000000"/>
-                </a:solidFill>
-                <a:latin typeface="Consolas" panose="020B0609020204030204" pitchFamily="49" charset="0"/>
-              </a:rPr>
-              <a:t>s.strike</a:t>
-            </a:r>
-            <a:r>
-              <a:rPr lang="en-US" dirty="0">
-                <a:solidFill>
-                  <a:srgbClr val="000000"/>
-                </a:solidFill>
-                <a:latin typeface="Consolas" panose="020B0609020204030204" pitchFamily="49" charset="0"/>
-              </a:rPr>
-              <a:t>() &lt;&lt; </a:t>
-            </a:r>
-            <a:r>
-              <a:rPr lang="en-US" dirty="0" err="1">
-                <a:solidFill>
-                  <a:srgbClr val="000000"/>
-                </a:solidFill>
-                <a:latin typeface="Consolas" panose="020B0609020204030204" pitchFamily="49" charset="0"/>
-              </a:rPr>
-              <a:t>endl</a:t>
-            </a:r>
-            <a:r>
-              <a:rPr lang="en-US" dirty="0">
-                <a:solidFill>
-                  <a:srgbClr val="000000"/>
-                </a:solidFill>
-                <a:latin typeface="Consolas" panose="020B0609020204030204" pitchFamily="49" charset="0"/>
-              </a:rPr>
-              <a:t>;</a:t>
-            </a:r>
-          </a:p>
-          <a:p>
-            <a:r>
-              <a:rPr lang="en-US" dirty="0">
-                <a:solidFill>
-                  <a:srgbClr val="000000"/>
-                </a:solidFill>
-                <a:latin typeface="Consolas" panose="020B0609020204030204" pitchFamily="49" charset="0"/>
-              </a:rPr>
-              <a:t>    </a:t>
-            </a:r>
-            <a:r>
-              <a:rPr lang="en-US" dirty="0">
-                <a:solidFill>
-                  <a:srgbClr val="0000FF"/>
-                </a:solidFill>
-                <a:latin typeface="Consolas" panose="020B0609020204030204" pitchFamily="49" charset="0"/>
-              </a:rPr>
-              <a:t>return</a:t>
-            </a:r>
-            <a:r>
-              <a:rPr lang="en-US" dirty="0">
-                <a:solidFill>
-                  <a:srgbClr val="000000"/>
-                </a:solidFill>
-                <a:latin typeface="Consolas" panose="020B0609020204030204" pitchFamily="49" charset="0"/>
-              </a:rPr>
-              <a:t> </a:t>
-            </a:r>
-            <a:r>
-              <a:rPr lang="en-US" dirty="0">
-                <a:solidFill>
-                  <a:srgbClr val="098658"/>
-                </a:solidFill>
-                <a:latin typeface="Consolas" panose="020B0609020204030204" pitchFamily="49" charset="0"/>
-              </a:rPr>
-              <a:t>0</a:t>
-            </a:r>
-            <a:r>
-              <a:rPr lang="en-US" dirty="0">
-                <a:solidFill>
-                  <a:srgbClr val="000000"/>
-                </a:solidFill>
-                <a:latin typeface="Consolas" panose="020B0609020204030204" pitchFamily="49" charset="0"/>
-              </a:rPr>
-              <a:t>;</a:t>
-            </a:r>
-          </a:p>
-          <a:p>
-            <a:r>
-              <a:rPr lang="en-US" dirty="0">
-                <a:solidFill>
-                  <a:srgbClr val="000000"/>
-                </a:solidFill>
-                <a:latin typeface="Consolas" panose="020B0609020204030204" pitchFamily="49" charset="0"/>
-              </a:rPr>
-              <a:t>}</a:t>
-            </a:r>
-            <a:endParaRPr lang="en-US" b="0" dirty="0">
-              <a:solidFill>
-                <a:srgbClr val="000000"/>
-              </a:solidFill>
-              <a:effectLst/>
-              <a:latin typeface="Consolas" panose="020B0609020204030204" pitchFamily="49" charset="0"/>
-            </a:endParaRPr>
-          </a:p>
-        </p:txBody>
-      </p:sp>
-      <p:sp>
-        <p:nvSpPr>
           <p:cNvPr id="3" name="Прямоугольник 2"/>
           <p:cNvSpPr/>
           <p:nvPr/>
         </p:nvSpPr>
         <p:spPr>
           <a:xfrm>
-            <a:off x="8036459" y="889843"/>
-            <a:ext cx="3216999" cy="5632311"/>
+            <a:off x="8027405" y="474345"/>
+            <a:ext cx="3216999" cy="5909310"/>
           </a:xfrm>
           <a:prstGeom prst="rect">
             <a:avLst/>
@@ -21593,8 +20844,89 @@
           <a:p>
             <a:r>
               <a:rPr lang="en-US" dirty="0"/>
-              <a:t>name: 9mm</a:t>
-            </a:r>
+              <a:t>name: </a:t>
+            </a:r>
+          </a:p>
+          <a:p>
+            <a:r>
+              <a:rPr lang="en-US" dirty="0"/>
+              <a:t>damage: nan</a:t>
+            </a:r>
+          </a:p>
+          <a:p>
+            <a:r>
+              <a:rPr lang="en-US" dirty="0"/>
+              <a:t>distance: 1.66008e-315</a:t>
+            </a:r>
+          </a:p>
+          <a:p>
+            <a:r>
+              <a:rPr lang="en-US" dirty="0" err="1"/>
+              <a:t>rounds_in_holder</a:t>
+            </a:r>
+            <a:r>
+              <a:rPr lang="en-US" dirty="0"/>
+              <a:t>: 9</a:t>
+            </a:r>
+          </a:p>
+          <a:p>
+            <a:r>
+              <a:rPr lang="en-US" dirty="0"/>
+              <a:t>caliber: 9</a:t>
+            </a:r>
+          </a:p>
+          <a:p>
+            <a:r>
+              <a:rPr lang="en-US" dirty="0"/>
+              <a:t>name: </a:t>
+            </a:r>
+          </a:p>
+          <a:p>
+            <a:r>
+              <a:rPr lang="en-US" dirty="0"/>
+              <a:t>damage: nan</a:t>
+            </a:r>
+          </a:p>
+          <a:p>
+            <a:r>
+              <a:rPr lang="en-US" dirty="0"/>
+              <a:t>distance: 1.66008e-315</a:t>
+            </a:r>
+          </a:p>
+          <a:p>
+            <a:r>
+              <a:rPr lang="en-US" dirty="0"/>
+              <a:t>To far</a:t>
+            </a:r>
+          </a:p>
+          <a:p>
+            <a:r>
+              <a:rPr lang="en-US" dirty="0"/>
+              <a:t>0</a:t>
+            </a:r>
+          </a:p>
+          <a:p>
+            <a:r>
+              <a:rPr lang="en-US" dirty="0"/>
+              <a:t>To far</a:t>
+            </a:r>
+          </a:p>
+          <a:p>
+            <a:r>
+              <a:rPr lang="en-US" dirty="0"/>
+              <a:t>0</a:t>
+            </a:r>
+          </a:p>
+          <a:p>
+            <a:r>
+              <a:rPr lang="en-US" dirty="0"/>
+              <a:t>name: </a:t>
+            </a:r>
+            <a:r>
+              <a:rPr lang="en-US" dirty="0" err="1"/>
+              <a:t>ecs</a:t>
+            </a:r>
+            <a:endParaRPr lang="en-US" dirty="0"/>
           </a:p>
           <a:p>
             <a:r>
@@ -21605,41 +20937,19 @@
           <a:p>
             <a:r>
               <a:rPr lang="en-US" dirty="0"/>
-              <a:t>distance: 15</a:t>
-            </a:r>
-          </a:p>
-          <a:p>
-            <a:r>
-              <a:rPr lang="en-US" dirty="0" err="1"/>
-              <a:t>rounds_in_holder</a:t>
-            </a:r>
+              <a:t>distance: 1.5</a:t>
+            </a:r>
+          </a:p>
+          <a:p>
             <a:r>
               <a:rPr lang="en-US" dirty="0"/>
-              <a:t>: 9</a:t>
+              <a:t>steel: 1060 CARBON STEEL</a:t>
             </a:r>
           </a:p>
           <a:p>
             <a:r>
               <a:rPr lang="en-US" dirty="0"/>
-              <a:t>caliber: 9</a:t>
-            </a:r>
-          </a:p>
-          <a:p>
-            <a:r>
-              <a:rPr lang="en-US" dirty="0"/>
-              <a:t>name: 9mm</a:t>
-            </a:r>
-          </a:p>
-          <a:p>
-            <a:r>
-              <a:rPr lang="en-US" dirty="0"/>
-              <a:t>damage: 10</a:t>
-            </a:r>
-          </a:p>
-          <a:p>
-            <a:r>
-              <a:rPr lang="en-US" dirty="0"/>
-              <a:t>distance: 15</a:t>
+              <a:t>length: 1.5</a:t>
             </a:r>
           </a:p>
           <a:p>
@@ -21647,60 +20957,747 @@
               <a:rPr lang="en-US" dirty="0"/>
               <a:t>10</a:t>
             </a:r>
-          </a:p>
-          <a:p>
-            <a:r>
-              <a:rPr lang="en-US" dirty="0"/>
-              <a:t>To far</a:t>
-            </a:r>
-          </a:p>
-          <a:p>
-            <a:r>
-              <a:rPr lang="en-US" dirty="0"/>
+            <a:endParaRPr lang="ru-RU" dirty="0"/>
+          </a:p>
+        </p:txBody>
+      </p:sp>
+      <p:sp>
+        <p:nvSpPr>
+          <p:cNvPr id="4" name="Прямоугольник 3"/>
+          <p:cNvSpPr/>
+          <p:nvPr/>
+        </p:nvSpPr>
+        <p:spPr>
+          <a:xfrm>
+            <a:off x="295748" y="1166843"/>
+            <a:ext cx="6096000" cy="4524315"/>
+          </a:xfrm>
+          <a:prstGeom prst="rect">
+            <a:avLst/>
+          </a:prstGeom>
+        </p:spPr>
+        <p:txBody>
+          <a:bodyPr>
+            <a:spAutoFit/>
+          </a:bodyPr>
+          <a:lstStyle/>
+          <a:p>
+            <a:r>
+              <a:rPr lang="en-US" dirty="0" err="1">
+                <a:solidFill>
+                  <a:srgbClr val="0000FF"/>
+                </a:solidFill>
+                <a:latin typeface="Consolas" panose="020B0609020204030204" pitchFamily="49" charset="0"/>
+              </a:rPr>
+              <a:t>int</a:t>
+            </a:r>
+            <a:r>
+              <a:rPr lang="en-US" dirty="0">
+                <a:solidFill>
+                  <a:srgbClr val="000000"/>
+                </a:solidFill>
+                <a:latin typeface="Consolas" panose="020B0609020204030204" pitchFamily="49" charset="0"/>
+              </a:rPr>
+              <a:t> main(){</a:t>
+            </a:r>
+          </a:p>
+          <a:p>
+            <a:r>
+              <a:rPr lang="en-US" dirty="0">
+                <a:solidFill>
+                  <a:srgbClr val="000000"/>
+                </a:solidFill>
+                <a:latin typeface="Consolas" panose="020B0609020204030204" pitchFamily="49" charset="0"/>
+              </a:rPr>
+              <a:t>    Weapon w(</a:t>
+            </a:r>
+            <a:r>
+              <a:rPr lang="en-US" dirty="0">
+                <a:solidFill>
+                  <a:srgbClr val="A31515"/>
+                </a:solidFill>
+                <a:latin typeface="Consolas" panose="020B0609020204030204" pitchFamily="49" charset="0"/>
+              </a:rPr>
+              <a:t>"Test"</a:t>
+            </a:r>
+            <a:r>
+              <a:rPr lang="en-US" dirty="0">
+                <a:solidFill>
+                  <a:srgbClr val="000000"/>
+                </a:solidFill>
+                <a:latin typeface="Consolas" panose="020B0609020204030204" pitchFamily="49" charset="0"/>
+              </a:rPr>
+              <a:t>, </a:t>
+            </a:r>
+            <a:r>
+              <a:rPr lang="en-US" dirty="0">
+                <a:solidFill>
+                  <a:srgbClr val="098658"/>
+                </a:solidFill>
+                <a:latin typeface="Consolas" panose="020B0609020204030204" pitchFamily="49" charset="0"/>
+              </a:rPr>
               <a:t>0</a:t>
             </a:r>
-          </a:p>
-          <a:p>
-            <a:r>
-              <a:rPr lang="en-US" dirty="0"/>
-              <a:t>name: </a:t>
-            </a:r>
-            <a:r>
-              <a:rPr lang="en-US" dirty="0" err="1"/>
+            <a:r>
+              <a:rPr lang="en-US" dirty="0">
+                <a:solidFill>
+                  <a:srgbClr val="000000"/>
+                </a:solidFill>
+                <a:latin typeface="Consolas" panose="020B0609020204030204" pitchFamily="49" charset="0"/>
+              </a:rPr>
+              <a:t>, </a:t>
+            </a:r>
+            <a:r>
+              <a:rPr lang="en-US" dirty="0">
+                <a:solidFill>
+                  <a:srgbClr val="098658"/>
+                </a:solidFill>
+                <a:latin typeface="Consolas" panose="020B0609020204030204" pitchFamily="49" charset="0"/>
+              </a:rPr>
+              <a:t>0</a:t>
+            </a:r>
+            <a:r>
+              <a:rPr lang="en-US" dirty="0">
+                <a:solidFill>
+                  <a:srgbClr val="000000"/>
+                </a:solidFill>
+                <a:latin typeface="Consolas" panose="020B0609020204030204" pitchFamily="49" charset="0"/>
+              </a:rPr>
+              <a:t>);</a:t>
+            </a:r>
+          </a:p>
+          <a:p>
+            <a:r>
+              <a:rPr lang="en-US" dirty="0">
+                <a:solidFill>
+                  <a:srgbClr val="000000"/>
+                </a:solidFill>
+                <a:latin typeface="Consolas" panose="020B0609020204030204" pitchFamily="49" charset="0"/>
+              </a:rPr>
+              <a:t>    Pistol p(</a:t>
+            </a:r>
+            <a:r>
+              <a:rPr lang="en-US" dirty="0">
+                <a:solidFill>
+                  <a:srgbClr val="A31515"/>
+                </a:solidFill>
+                <a:latin typeface="Consolas" panose="020B0609020204030204" pitchFamily="49" charset="0"/>
+              </a:rPr>
+              <a:t>"9mm"</a:t>
+            </a:r>
+            <a:r>
+              <a:rPr lang="en-US" dirty="0">
+                <a:solidFill>
+                  <a:srgbClr val="000000"/>
+                </a:solidFill>
+                <a:latin typeface="Consolas" panose="020B0609020204030204" pitchFamily="49" charset="0"/>
+              </a:rPr>
+              <a:t>, </a:t>
+            </a:r>
+            <a:r>
+              <a:rPr lang="en-US" dirty="0">
+                <a:solidFill>
+                  <a:srgbClr val="098658"/>
+                </a:solidFill>
+                <a:latin typeface="Consolas" panose="020B0609020204030204" pitchFamily="49" charset="0"/>
+              </a:rPr>
+              <a:t>10</a:t>
+            </a:r>
+            <a:r>
+              <a:rPr lang="en-US" dirty="0">
+                <a:solidFill>
+                  <a:srgbClr val="000000"/>
+                </a:solidFill>
+                <a:latin typeface="Consolas" panose="020B0609020204030204" pitchFamily="49" charset="0"/>
+              </a:rPr>
+              <a:t>, </a:t>
+            </a:r>
+            <a:r>
+              <a:rPr lang="en-US" dirty="0">
+                <a:solidFill>
+                  <a:srgbClr val="098658"/>
+                </a:solidFill>
+                <a:latin typeface="Consolas" panose="020B0609020204030204" pitchFamily="49" charset="0"/>
+              </a:rPr>
+              <a:t>15</a:t>
+            </a:r>
+            <a:r>
+              <a:rPr lang="en-US" dirty="0">
+                <a:solidFill>
+                  <a:srgbClr val="000000"/>
+                </a:solidFill>
+                <a:latin typeface="Consolas" panose="020B0609020204030204" pitchFamily="49" charset="0"/>
+              </a:rPr>
+              <a:t>, </a:t>
+            </a:r>
+            <a:r>
+              <a:rPr lang="en-US" dirty="0">
+                <a:solidFill>
+                  <a:srgbClr val="098658"/>
+                </a:solidFill>
+                <a:latin typeface="Consolas" panose="020B0609020204030204" pitchFamily="49" charset="0"/>
+              </a:rPr>
+              <a:t>9</a:t>
+            </a:r>
+            <a:r>
+              <a:rPr lang="en-US" dirty="0">
+                <a:solidFill>
+                  <a:srgbClr val="000000"/>
+                </a:solidFill>
+                <a:latin typeface="Consolas" panose="020B0609020204030204" pitchFamily="49" charset="0"/>
+              </a:rPr>
+              <a:t>, </a:t>
+            </a:r>
+            <a:r>
+              <a:rPr lang="en-US" dirty="0">
+                <a:solidFill>
+                  <a:srgbClr val="098658"/>
+                </a:solidFill>
+                <a:latin typeface="Consolas" panose="020B0609020204030204" pitchFamily="49" charset="0"/>
+              </a:rPr>
+              <a:t>9.</a:t>
+            </a:r>
+            <a:r>
+              <a:rPr lang="en-US" dirty="0">
+                <a:solidFill>
+                  <a:srgbClr val="000000"/>
+                </a:solidFill>
+                <a:latin typeface="Consolas" panose="020B0609020204030204" pitchFamily="49" charset="0"/>
+              </a:rPr>
+              <a:t>);</a:t>
+            </a:r>
+          </a:p>
+          <a:p>
+            <a:r>
+              <a:rPr lang="en-US" dirty="0">
+                <a:solidFill>
+                  <a:srgbClr val="000000"/>
+                </a:solidFill>
+                <a:latin typeface="Consolas" panose="020B0609020204030204" pitchFamily="49" charset="0"/>
+              </a:rPr>
+              <a:t>    Sword s(</a:t>
+            </a:r>
+            <a:r>
+              <a:rPr lang="en-US" dirty="0">
+                <a:solidFill>
+                  <a:srgbClr val="A31515"/>
+                </a:solidFill>
+                <a:latin typeface="Consolas" panose="020B0609020204030204" pitchFamily="49" charset="0"/>
+              </a:rPr>
+              <a:t>"</a:t>
+            </a:r>
+            <a:r>
+              <a:rPr lang="en-US" dirty="0" err="1">
+                <a:solidFill>
+                  <a:srgbClr val="A31515"/>
+                </a:solidFill>
+                <a:latin typeface="Consolas" panose="020B0609020204030204" pitchFamily="49" charset="0"/>
+              </a:rPr>
               <a:t>ecs</a:t>
             </a:r>
-            <a:endParaRPr lang="en-US" dirty="0"/>
-          </a:p>
-          <a:p>
-            <a:r>
-              <a:rPr lang="en-US" dirty="0"/>
-              <a:t>damage: 10</a:t>
-            </a:r>
-          </a:p>
-          <a:p>
-            <a:r>
-              <a:rPr lang="en-US" dirty="0"/>
-              <a:t>distance: 1.5</a:t>
-            </a:r>
-          </a:p>
-          <a:p>
-            <a:r>
-              <a:rPr lang="en-US" dirty="0"/>
-              <a:t>steel: 1060 CARBON STEEL</a:t>
-            </a:r>
-          </a:p>
-          <a:p>
-            <a:r>
-              <a:rPr lang="en-US" dirty="0"/>
-              <a:t>length: 1.5</a:t>
-            </a:r>
-          </a:p>
-          <a:p>
-            <a:r>
-              <a:rPr lang="en-US" dirty="0"/>
+            <a:r>
+              <a:rPr lang="en-US" dirty="0">
+                <a:solidFill>
+                  <a:srgbClr val="A31515"/>
+                </a:solidFill>
+                <a:latin typeface="Consolas" panose="020B0609020204030204" pitchFamily="49" charset="0"/>
+              </a:rPr>
+              <a:t>"</a:t>
+            </a:r>
+            <a:r>
+              <a:rPr lang="en-US" dirty="0">
+                <a:solidFill>
+                  <a:srgbClr val="000000"/>
+                </a:solidFill>
+                <a:latin typeface="Consolas" panose="020B0609020204030204" pitchFamily="49" charset="0"/>
+              </a:rPr>
+              <a:t>, </a:t>
+            </a:r>
+            <a:r>
+              <a:rPr lang="en-US" dirty="0">
+                <a:solidFill>
+                  <a:srgbClr val="098658"/>
+                </a:solidFill>
+                <a:latin typeface="Consolas" panose="020B0609020204030204" pitchFamily="49" charset="0"/>
+              </a:rPr>
               <a:t>10</a:t>
             </a:r>
-            <a:endParaRPr lang="ru-RU" dirty="0"/>
+            <a:r>
+              <a:rPr lang="en-US" dirty="0">
+                <a:solidFill>
+                  <a:srgbClr val="000000"/>
+                </a:solidFill>
+                <a:latin typeface="Consolas" panose="020B0609020204030204" pitchFamily="49" charset="0"/>
+              </a:rPr>
+              <a:t>, </a:t>
+            </a:r>
+            <a:r>
+              <a:rPr lang="en-US" dirty="0">
+                <a:solidFill>
+                  <a:srgbClr val="A31515"/>
+                </a:solidFill>
+                <a:latin typeface="Consolas" panose="020B0609020204030204" pitchFamily="49" charset="0"/>
+              </a:rPr>
+              <a:t>"1060 CARBON STEEL"</a:t>
+            </a:r>
+            <a:r>
+              <a:rPr lang="en-US" dirty="0">
+                <a:solidFill>
+                  <a:srgbClr val="000000"/>
+                </a:solidFill>
+                <a:latin typeface="Consolas" panose="020B0609020204030204" pitchFamily="49" charset="0"/>
+              </a:rPr>
+              <a:t>, </a:t>
+            </a:r>
+            <a:r>
+              <a:rPr lang="en-US" dirty="0">
+                <a:solidFill>
+                  <a:srgbClr val="098658"/>
+                </a:solidFill>
+                <a:latin typeface="Consolas" panose="020B0609020204030204" pitchFamily="49" charset="0"/>
+              </a:rPr>
+              <a:t>1.5</a:t>
+            </a:r>
+            <a:r>
+              <a:rPr lang="en-US" dirty="0">
+                <a:solidFill>
+                  <a:srgbClr val="000000"/>
+                </a:solidFill>
+                <a:latin typeface="Consolas" panose="020B0609020204030204" pitchFamily="49" charset="0"/>
+              </a:rPr>
+              <a:t>);</a:t>
+            </a:r>
+          </a:p>
+          <a:p>
+            <a:r>
+              <a:rPr lang="en-US" dirty="0">
+                <a:solidFill>
+                  <a:srgbClr val="000000"/>
+                </a:solidFill>
+                <a:latin typeface="Consolas" panose="020B0609020204030204" pitchFamily="49" charset="0"/>
+              </a:rPr>
+              <a:t>    </a:t>
+            </a:r>
+            <a:r>
+              <a:rPr lang="en-US" dirty="0" err="1">
+                <a:solidFill>
+                  <a:srgbClr val="000000"/>
+                </a:solidFill>
+                <a:latin typeface="Consolas" panose="020B0609020204030204" pitchFamily="49" charset="0"/>
+              </a:rPr>
+              <a:t>w.printCharacteristics</a:t>
+            </a:r>
+            <a:r>
+              <a:rPr lang="en-US" dirty="0">
+                <a:solidFill>
+                  <a:srgbClr val="000000"/>
+                </a:solidFill>
+                <a:latin typeface="Consolas" panose="020B0609020204030204" pitchFamily="49" charset="0"/>
+              </a:rPr>
+              <a:t>();</a:t>
+            </a:r>
+          </a:p>
+          <a:p>
+            <a:r>
+              <a:rPr lang="en-US" dirty="0">
+                <a:solidFill>
+                  <a:srgbClr val="000000"/>
+                </a:solidFill>
+                <a:latin typeface="Consolas" panose="020B0609020204030204" pitchFamily="49" charset="0"/>
+              </a:rPr>
+              <a:t>    </a:t>
+            </a:r>
+            <a:r>
+              <a:rPr lang="en-US" dirty="0" err="1">
+                <a:solidFill>
+                  <a:srgbClr val="000000"/>
+                </a:solidFill>
+                <a:latin typeface="Consolas" panose="020B0609020204030204" pitchFamily="49" charset="0"/>
+              </a:rPr>
+              <a:t>p.printPistolCharacteristics</a:t>
+            </a:r>
+            <a:r>
+              <a:rPr lang="en-US" dirty="0">
+                <a:solidFill>
+                  <a:srgbClr val="000000"/>
+                </a:solidFill>
+                <a:latin typeface="Consolas" panose="020B0609020204030204" pitchFamily="49" charset="0"/>
+              </a:rPr>
+              <a:t>();</a:t>
+            </a:r>
+          </a:p>
+          <a:p>
+            <a:r>
+              <a:rPr lang="en-US" dirty="0">
+                <a:solidFill>
+                  <a:srgbClr val="000000"/>
+                </a:solidFill>
+                <a:latin typeface="Consolas" panose="020B0609020204030204" pitchFamily="49" charset="0"/>
+              </a:rPr>
+              <a:t>    </a:t>
+            </a:r>
+            <a:r>
+              <a:rPr lang="en-US" dirty="0" err="1">
+                <a:solidFill>
+                  <a:srgbClr val="000000"/>
+                </a:solidFill>
+                <a:latin typeface="Consolas" panose="020B0609020204030204" pitchFamily="49" charset="0"/>
+              </a:rPr>
+              <a:t>p.printCharacteristics</a:t>
+            </a:r>
+            <a:r>
+              <a:rPr lang="en-US" dirty="0">
+                <a:solidFill>
+                  <a:srgbClr val="000000"/>
+                </a:solidFill>
+                <a:latin typeface="Consolas" panose="020B0609020204030204" pitchFamily="49" charset="0"/>
+              </a:rPr>
+              <a:t>();</a:t>
+            </a:r>
+          </a:p>
+          <a:p>
+            <a:r>
+              <a:rPr lang="en-US" dirty="0">
+                <a:solidFill>
+                  <a:srgbClr val="000000"/>
+                </a:solidFill>
+                <a:latin typeface="Consolas" panose="020B0609020204030204" pitchFamily="49" charset="0"/>
+              </a:rPr>
+              <a:t>    </a:t>
+            </a:r>
+            <a:r>
+              <a:rPr lang="en-US" dirty="0" err="1">
+                <a:solidFill>
+                  <a:srgbClr val="000000"/>
+                </a:solidFill>
+                <a:latin typeface="Consolas" panose="020B0609020204030204" pitchFamily="49" charset="0"/>
+              </a:rPr>
+              <a:t>cout</a:t>
+            </a:r>
+            <a:r>
+              <a:rPr lang="en-US" dirty="0">
+                <a:solidFill>
+                  <a:srgbClr val="000000"/>
+                </a:solidFill>
+                <a:latin typeface="Consolas" panose="020B0609020204030204" pitchFamily="49" charset="0"/>
+              </a:rPr>
+              <a:t> &lt;&lt; </a:t>
+            </a:r>
+            <a:r>
+              <a:rPr lang="en-US" dirty="0" err="1">
+                <a:solidFill>
+                  <a:srgbClr val="000000"/>
+                </a:solidFill>
+                <a:latin typeface="Consolas" panose="020B0609020204030204" pitchFamily="49" charset="0"/>
+              </a:rPr>
+              <a:t>p.shotByDistance</a:t>
+            </a:r>
+            <a:r>
+              <a:rPr lang="en-US" dirty="0">
+                <a:solidFill>
+                  <a:srgbClr val="000000"/>
+                </a:solidFill>
+                <a:latin typeface="Consolas" panose="020B0609020204030204" pitchFamily="49" charset="0"/>
+              </a:rPr>
+              <a:t>(</a:t>
+            </a:r>
+            <a:r>
+              <a:rPr lang="en-US" dirty="0">
+                <a:solidFill>
+                  <a:srgbClr val="098658"/>
+                </a:solidFill>
+                <a:latin typeface="Consolas" panose="020B0609020204030204" pitchFamily="49" charset="0"/>
+              </a:rPr>
+              <a:t>8</a:t>
+            </a:r>
+            <a:r>
+              <a:rPr lang="en-US" dirty="0">
+                <a:solidFill>
+                  <a:srgbClr val="000000"/>
+                </a:solidFill>
+                <a:latin typeface="Consolas" panose="020B0609020204030204" pitchFamily="49" charset="0"/>
+              </a:rPr>
+              <a:t>) &lt;&lt; </a:t>
+            </a:r>
+            <a:r>
+              <a:rPr lang="en-US" dirty="0" err="1">
+                <a:solidFill>
+                  <a:srgbClr val="000000"/>
+                </a:solidFill>
+                <a:latin typeface="Consolas" panose="020B0609020204030204" pitchFamily="49" charset="0"/>
+              </a:rPr>
+              <a:t>endl</a:t>
+            </a:r>
+            <a:r>
+              <a:rPr lang="en-US" dirty="0">
+                <a:solidFill>
+                  <a:srgbClr val="000000"/>
+                </a:solidFill>
+                <a:latin typeface="Consolas" panose="020B0609020204030204" pitchFamily="49" charset="0"/>
+              </a:rPr>
+              <a:t>;</a:t>
+            </a:r>
+          </a:p>
+          <a:p>
+            <a:r>
+              <a:rPr lang="en-US" dirty="0">
+                <a:solidFill>
+                  <a:srgbClr val="000000"/>
+                </a:solidFill>
+                <a:latin typeface="Consolas" panose="020B0609020204030204" pitchFamily="49" charset="0"/>
+              </a:rPr>
+              <a:t>    </a:t>
+            </a:r>
+            <a:r>
+              <a:rPr lang="en-US" dirty="0" err="1">
+                <a:solidFill>
+                  <a:srgbClr val="000000"/>
+                </a:solidFill>
+                <a:latin typeface="Consolas" panose="020B0609020204030204" pitchFamily="49" charset="0"/>
+              </a:rPr>
+              <a:t>cout</a:t>
+            </a:r>
+            <a:r>
+              <a:rPr lang="en-US" dirty="0">
+                <a:solidFill>
+                  <a:srgbClr val="000000"/>
+                </a:solidFill>
+                <a:latin typeface="Consolas" panose="020B0609020204030204" pitchFamily="49" charset="0"/>
+              </a:rPr>
+              <a:t> &lt;&lt; </a:t>
+            </a:r>
+            <a:r>
+              <a:rPr lang="en-US" dirty="0" err="1">
+                <a:solidFill>
+                  <a:srgbClr val="000000"/>
+                </a:solidFill>
+                <a:latin typeface="Consolas" panose="020B0609020204030204" pitchFamily="49" charset="0"/>
+              </a:rPr>
+              <a:t>p.shotByDistance</a:t>
+            </a:r>
+            <a:r>
+              <a:rPr lang="en-US" dirty="0">
+                <a:solidFill>
+                  <a:srgbClr val="000000"/>
+                </a:solidFill>
+                <a:latin typeface="Consolas" panose="020B0609020204030204" pitchFamily="49" charset="0"/>
+              </a:rPr>
+              <a:t>(</a:t>
+            </a:r>
+            <a:r>
+              <a:rPr lang="en-US" dirty="0">
+                <a:solidFill>
+                  <a:srgbClr val="098658"/>
+                </a:solidFill>
+                <a:latin typeface="Consolas" panose="020B0609020204030204" pitchFamily="49" charset="0"/>
+              </a:rPr>
+              <a:t>20</a:t>
+            </a:r>
+            <a:r>
+              <a:rPr lang="en-US" dirty="0">
+                <a:solidFill>
+                  <a:srgbClr val="000000"/>
+                </a:solidFill>
+                <a:latin typeface="Consolas" panose="020B0609020204030204" pitchFamily="49" charset="0"/>
+              </a:rPr>
+              <a:t>) &lt;&lt; </a:t>
+            </a:r>
+            <a:r>
+              <a:rPr lang="en-US" dirty="0" err="1">
+                <a:solidFill>
+                  <a:srgbClr val="000000"/>
+                </a:solidFill>
+                <a:latin typeface="Consolas" panose="020B0609020204030204" pitchFamily="49" charset="0"/>
+              </a:rPr>
+              <a:t>endl</a:t>
+            </a:r>
+            <a:r>
+              <a:rPr lang="en-US" dirty="0">
+                <a:solidFill>
+                  <a:srgbClr val="000000"/>
+                </a:solidFill>
+                <a:latin typeface="Consolas" panose="020B0609020204030204" pitchFamily="49" charset="0"/>
+              </a:rPr>
+              <a:t>;</a:t>
+            </a:r>
+          </a:p>
+          <a:p>
+            <a:r>
+              <a:rPr lang="en-US" dirty="0">
+                <a:solidFill>
+                  <a:srgbClr val="000000"/>
+                </a:solidFill>
+                <a:latin typeface="Consolas" panose="020B0609020204030204" pitchFamily="49" charset="0"/>
+              </a:rPr>
+              <a:t>    </a:t>
+            </a:r>
+            <a:r>
+              <a:rPr lang="en-US" dirty="0" err="1">
+                <a:solidFill>
+                  <a:srgbClr val="000000"/>
+                </a:solidFill>
+                <a:latin typeface="Consolas" panose="020B0609020204030204" pitchFamily="49" charset="0"/>
+              </a:rPr>
+              <a:t>s.printSwordCharacteristics</a:t>
+            </a:r>
+            <a:r>
+              <a:rPr lang="en-US" dirty="0">
+                <a:solidFill>
+                  <a:srgbClr val="000000"/>
+                </a:solidFill>
+                <a:latin typeface="Consolas" panose="020B0609020204030204" pitchFamily="49" charset="0"/>
+              </a:rPr>
+              <a:t>();</a:t>
+            </a:r>
+          </a:p>
+          <a:p>
+            <a:r>
+              <a:rPr lang="en-US" dirty="0">
+                <a:solidFill>
+                  <a:srgbClr val="000000"/>
+                </a:solidFill>
+                <a:latin typeface="Consolas" panose="020B0609020204030204" pitchFamily="49" charset="0"/>
+              </a:rPr>
+              <a:t>    </a:t>
+            </a:r>
+            <a:r>
+              <a:rPr lang="en-US" dirty="0" err="1">
+                <a:solidFill>
+                  <a:srgbClr val="000000"/>
+                </a:solidFill>
+                <a:latin typeface="Consolas" panose="020B0609020204030204" pitchFamily="49" charset="0"/>
+              </a:rPr>
+              <a:t>cout</a:t>
+            </a:r>
+            <a:r>
+              <a:rPr lang="en-US" dirty="0">
+                <a:solidFill>
+                  <a:srgbClr val="000000"/>
+                </a:solidFill>
+                <a:latin typeface="Consolas" panose="020B0609020204030204" pitchFamily="49" charset="0"/>
+              </a:rPr>
+              <a:t> &lt;&lt; </a:t>
+            </a:r>
+            <a:r>
+              <a:rPr lang="en-US" dirty="0" err="1">
+                <a:solidFill>
+                  <a:srgbClr val="000000"/>
+                </a:solidFill>
+                <a:latin typeface="Consolas" panose="020B0609020204030204" pitchFamily="49" charset="0"/>
+              </a:rPr>
+              <a:t>s.strike</a:t>
+            </a:r>
+            <a:r>
+              <a:rPr lang="en-US" dirty="0">
+                <a:solidFill>
+                  <a:srgbClr val="000000"/>
+                </a:solidFill>
+                <a:latin typeface="Consolas" panose="020B0609020204030204" pitchFamily="49" charset="0"/>
+              </a:rPr>
+              <a:t>() &lt;&lt; </a:t>
+            </a:r>
+            <a:r>
+              <a:rPr lang="en-US" dirty="0" err="1">
+                <a:solidFill>
+                  <a:srgbClr val="000000"/>
+                </a:solidFill>
+                <a:latin typeface="Consolas" panose="020B0609020204030204" pitchFamily="49" charset="0"/>
+              </a:rPr>
+              <a:t>endl</a:t>
+            </a:r>
+            <a:r>
+              <a:rPr lang="en-US" dirty="0">
+                <a:solidFill>
+                  <a:srgbClr val="000000"/>
+                </a:solidFill>
+                <a:latin typeface="Consolas" panose="020B0609020204030204" pitchFamily="49" charset="0"/>
+              </a:rPr>
+              <a:t>;</a:t>
+            </a:r>
+          </a:p>
+          <a:p>
+            <a:r>
+              <a:rPr lang="en-US" dirty="0">
+                <a:solidFill>
+                  <a:srgbClr val="000000"/>
+                </a:solidFill>
+                <a:latin typeface="Consolas" panose="020B0609020204030204" pitchFamily="49" charset="0"/>
+              </a:rPr>
+              <a:t>    </a:t>
+            </a:r>
+            <a:r>
+              <a:rPr lang="en-US" dirty="0">
+                <a:solidFill>
+                  <a:srgbClr val="0000FF"/>
+                </a:solidFill>
+                <a:latin typeface="Consolas" panose="020B0609020204030204" pitchFamily="49" charset="0"/>
+              </a:rPr>
+              <a:t>return</a:t>
+            </a:r>
+            <a:r>
+              <a:rPr lang="en-US" dirty="0">
+                <a:solidFill>
+                  <a:srgbClr val="000000"/>
+                </a:solidFill>
+                <a:latin typeface="Consolas" panose="020B0609020204030204" pitchFamily="49" charset="0"/>
+              </a:rPr>
+              <a:t> </a:t>
+            </a:r>
+            <a:r>
+              <a:rPr lang="en-US" dirty="0">
+                <a:solidFill>
+                  <a:srgbClr val="098658"/>
+                </a:solidFill>
+                <a:latin typeface="Consolas" panose="020B0609020204030204" pitchFamily="49" charset="0"/>
+              </a:rPr>
+              <a:t>0</a:t>
+            </a:r>
+            <a:r>
+              <a:rPr lang="en-US" dirty="0">
+                <a:solidFill>
+                  <a:srgbClr val="000000"/>
+                </a:solidFill>
+                <a:latin typeface="Consolas" panose="020B0609020204030204" pitchFamily="49" charset="0"/>
+              </a:rPr>
+              <a:t>;</a:t>
+            </a:r>
+          </a:p>
+          <a:p>
+            <a:r>
+              <a:rPr lang="en-US" dirty="0">
+                <a:solidFill>
+                  <a:srgbClr val="000000"/>
+                </a:solidFill>
+                <a:latin typeface="Consolas" panose="020B0609020204030204" pitchFamily="49" charset="0"/>
+              </a:rPr>
+              <a:t>}</a:t>
+            </a:r>
+          </a:p>
+          <a:p>
+            <a:r>
+              <a:rPr lang="en-US" dirty="0">
+                <a:solidFill>
+                  <a:srgbClr val="000000"/>
+                </a:solidFill>
+                <a:latin typeface="Consolas" panose="020B0609020204030204" pitchFamily="49" charset="0"/>
+              </a:rPr>
+              <a:t/>
+            </a:r>
+            <a:br>
+              <a:rPr lang="en-US" dirty="0">
+                <a:solidFill>
+                  <a:srgbClr val="000000"/>
+                </a:solidFill>
+                <a:latin typeface="Consolas" panose="020B0609020204030204" pitchFamily="49" charset="0"/>
+              </a:rPr>
+            </a:br>
+            <a:endParaRPr lang="en-US" b="0" dirty="0">
+              <a:solidFill>
+                <a:srgbClr val="000000"/>
+              </a:solidFill>
+              <a:effectLst/>
+              <a:latin typeface="Consolas" panose="020B0609020204030204" pitchFamily="49" charset="0"/>
+            </a:endParaRPr>
           </a:p>
         </p:txBody>
       </p:sp>

--- a/Lections/5/Классы, инкапсуляция, наследование полиморфизм.pptx
+++ b/Lections/5/Классы, инкапсуляция, наследование полиморфизм.pptx
@@ -13871,13 +13871,22 @@
               <a:t> &lt;&lt; </a:t>
             </a:r>
             <a:r>
-              <a:rPr lang="en-US" smtClean="0">
-                <a:solidFill>
-                  <a:srgbClr val="000000"/>
-                </a:solidFill>
-                <a:latin typeface="Consolas" panose="020B0609020204030204" pitchFamily="49" charset="0"/>
-              </a:rPr>
-              <a:t>mpi.data;</a:t>
+              <a:rPr lang="en-US" dirty="0" err="1" smtClean="0">
+                <a:solidFill>
+                  <a:srgbClr val="000000"/>
+                </a:solidFill>
+                <a:latin typeface="Consolas" panose="020B0609020204030204" pitchFamily="49" charset="0"/>
+              </a:rPr>
+              <a:t>mpi.data</a:t>
+            </a:r>
+            <a:r>
+              <a:rPr lang="en-US" dirty="0" smtClean="0">
+                <a:solidFill>
+                  <a:srgbClr val="000000"/>
+                </a:solidFill>
+                <a:latin typeface="Consolas" panose="020B0609020204030204" pitchFamily="49" charset="0"/>
+              </a:rPr>
+              <a:t>;</a:t>
             </a:r>
             <a:endParaRPr lang="en-US" dirty="0">
               <a:solidFill>
